--- a/Document/flowchart booking.pptx
+++ b/Document/flowchart booking.pptx
@@ -288,7 +288,7 @@
           <a:p>
             <a:fld id="{31B55657-2166-4977-8083-2CF66E537E8E}" type="datetimeFigureOut">
               <a:rPr lang="id-ID" smtClean="0"/>
-              <a:t>16/10/2016</a:t>
+              <a:t>17/10/2016</a:t>
             </a:fld>
             <a:endParaRPr lang="id-ID"/>
           </a:p>
@@ -458,7 +458,7 @@
           <a:p>
             <a:fld id="{31B55657-2166-4977-8083-2CF66E537E8E}" type="datetimeFigureOut">
               <a:rPr lang="id-ID" smtClean="0"/>
-              <a:t>16/10/2016</a:t>
+              <a:t>17/10/2016</a:t>
             </a:fld>
             <a:endParaRPr lang="id-ID"/>
           </a:p>
@@ -638,7 +638,7 @@
           <a:p>
             <a:fld id="{31B55657-2166-4977-8083-2CF66E537E8E}" type="datetimeFigureOut">
               <a:rPr lang="id-ID" smtClean="0"/>
-              <a:t>16/10/2016</a:t>
+              <a:t>17/10/2016</a:t>
             </a:fld>
             <a:endParaRPr lang="id-ID"/>
           </a:p>
@@ -808,7 +808,7 @@
           <a:p>
             <a:fld id="{31B55657-2166-4977-8083-2CF66E537E8E}" type="datetimeFigureOut">
               <a:rPr lang="id-ID" smtClean="0"/>
-              <a:t>16/10/2016</a:t>
+              <a:t>17/10/2016</a:t>
             </a:fld>
             <a:endParaRPr lang="id-ID"/>
           </a:p>
@@ -1054,7 +1054,7 @@
           <a:p>
             <a:fld id="{31B55657-2166-4977-8083-2CF66E537E8E}" type="datetimeFigureOut">
               <a:rPr lang="id-ID" smtClean="0"/>
-              <a:t>16/10/2016</a:t>
+              <a:t>17/10/2016</a:t>
             </a:fld>
             <a:endParaRPr lang="id-ID"/>
           </a:p>
@@ -1342,7 +1342,7 @@
           <a:p>
             <a:fld id="{31B55657-2166-4977-8083-2CF66E537E8E}" type="datetimeFigureOut">
               <a:rPr lang="id-ID" smtClean="0"/>
-              <a:t>16/10/2016</a:t>
+              <a:t>17/10/2016</a:t>
             </a:fld>
             <a:endParaRPr lang="id-ID"/>
           </a:p>
@@ -1764,7 +1764,7 @@
           <a:p>
             <a:fld id="{31B55657-2166-4977-8083-2CF66E537E8E}" type="datetimeFigureOut">
               <a:rPr lang="id-ID" smtClean="0"/>
-              <a:t>16/10/2016</a:t>
+              <a:t>17/10/2016</a:t>
             </a:fld>
             <a:endParaRPr lang="id-ID"/>
           </a:p>
@@ -1882,7 +1882,7 @@
           <a:p>
             <a:fld id="{31B55657-2166-4977-8083-2CF66E537E8E}" type="datetimeFigureOut">
               <a:rPr lang="id-ID" smtClean="0"/>
-              <a:t>16/10/2016</a:t>
+              <a:t>17/10/2016</a:t>
             </a:fld>
             <a:endParaRPr lang="id-ID"/>
           </a:p>
@@ -1977,7 +1977,7 @@
           <a:p>
             <a:fld id="{31B55657-2166-4977-8083-2CF66E537E8E}" type="datetimeFigureOut">
               <a:rPr lang="id-ID" smtClean="0"/>
-              <a:t>16/10/2016</a:t>
+              <a:t>17/10/2016</a:t>
             </a:fld>
             <a:endParaRPr lang="id-ID"/>
           </a:p>
@@ -2254,7 +2254,7 @@
           <a:p>
             <a:fld id="{31B55657-2166-4977-8083-2CF66E537E8E}" type="datetimeFigureOut">
               <a:rPr lang="id-ID" smtClean="0"/>
-              <a:t>16/10/2016</a:t>
+              <a:t>17/10/2016</a:t>
             </a:fld>
             <a:endParaRPr lang="id-ID"/>
           </a:p>
@@ -2507,7 +2507,7 @@
           <a:p>
             <a:fld id="{31B55657-2166-4977-8083-2CF66E537E8E}" type="datetimeFigureOut">
               <a:rPr lang="id-ID" smtClean="0"/>
-              <a:t>16/10/2016</a:t>
+              <a:t>17/10/2016</a:t>
             </a:fld>
             <a:endParaRPr lang="id-ID"/>
           </a:p>
@@ -2720,7 +2720,7 @@
           <a:p>
             <a:fld id="{31B55657-2166-4977-8083-2CF66E537E8E}" type="datetimeFigureOut">
               <a:rPr lang="id-ID" smtClean="0"/>
-              <a:t>16/10/2016</a:t>
+              <a:t>17/10/2016</a:t>
             </a:fld>
             <a:endParaRPr lang="id-ID"/>
           </a:p>
@@ -3217,7 +3217,15 @@
             <a:pPr algn="ctr"/>
             <a:r>
               <a:rPr lang="id-ID" sz="1400" dirty="0" smtClean="0"/>
-              <a:t>Pesan Kamar</a:t>
+              <a:t>Pesan </a:t>
+            </a:r>
+            <a:r>
+              <a:rPr lang="id-ID" sz="1400" dirty="0" smtClean="0"/>
+              <a:t>K</a:t>
+            </a:r>
+            <a:r>
+              <a:rPr lang="en-US" sz="1400" dirty="0" err="1" smtClean="0"/>
+              <a:t>ost</a:t>
             </a:r>
             <a:endParaRPr lang="id-ID" sz="1400" dirty="0"/>
           </a:p>
@@ -3304,8 +3312,13 @@
             </a:pPr>
             <a:r>
               <a:rPr lang="id-ID" sz="1200" dirty="0" smtClean="0"/>
-              <a:t>Create Pesan Kamar</a:t>
-            </a:r>
+              <a:t>Create Pesan </a:t>
+            </a:r>
+            <a:r>
+              <a:rPr lang="en-US" sz="1200" dirty="0" err="1" smtClean="0"/>
+              <a:t>Kost</a:t>
+            </a:r>
+            <a:endParaRPr lang="id-ID" sz="1200" dirty="0" smtClean="0"/>
           </a:p>
           <a:p>
             <a:pPr marL="285750" indent="-285750" algn="ctr">
@@ -3314,7 +3327,11 @@
             </a:pPr>
             <a:r>
               <a:rPr lang="id-ID" sz="1200" dirty="0" smtClean="0"/>
-              <a:t>Manage Pesan Kamar</a:t>
+              <a:t>Manage Pesan </a:t>
+            </a:r>
+            <a:r>
+              <a:rPr lang="en-US" sz="1200" dirty="0" err="1" smtClean="0"/>
+              <a:t>Kost</a:t>
             </a:r>
             <a:endParaRPr lang="id-ID" sz="1200" dirty="0"/>
           </a:p>
@@ -3398,7 +3415,11 @@
             <a:pPr algn="ctr"/>
             <a:r>
               <a:rPr lang="id-ID" sz="1100" dirty="0" smtClean="0"/>
-              <a:t>Create Pesan kamar</a:t>
+              <a:t>Create Pesan </a:t>
+            </a:r>
+            <a:r>
+              <a:rPr lang="en-US" sz="1100" dirty="0" err="1" smtClean="0"/>
+              <a:t>Kost</a:t>
             </a:r>
             <a:endParaRPr lang="id-ID" sz="1100" dirty="0"/>
           </a:p>
@@ -3442,7 +3463,11 @@
             <a:pPr algn="ctr"/>
             <a:r>
               <a:rPr lang="id-ID" sz="1100" dirty="0" smtClean="0"/>
-              <a:t>Manage Pesan kamar</a:t>
+              <a:t>Manage Pesan </a:t>
+            </a:r>
+            <a:r>
+              <a:rPr lang="en-US" sz="1100" dirty="0" err="1" smtClean="0"/>
+              <a:t>Kost</a:t>
             </a:r>
             <a:endParaRPr lang="id-ID" sz="1100" dirty="0"/>
           </a:p>
@@ -3562,8 +3587,13 @@
             </a:pPr>
             <a:r>
               <a:rPr lang="id-ID" sz="1600" dirty="0" smtClean="0"/>
-              <a:t>No. Kamar</a:t>
-            </a:r>
+              <a:t>No. </a:t>
+            </a:r>
+            <a:r>
+              <a:rPr lang="en-US" sz="1600" dirty="0" err="1" smtClean="0"/>
+              <a:t>Kost</a:t>
+            </a:r>
+            <a:endParaRPr lang="id-ID" sz="1600" dirty="0" smtClean="0"/>
           </a:p>
           <a:p>
             <a:pPr marL="285750" indent="-285750">
